--- a/Data/sources/reduction/Mantid_nxspe_2024/cycle10_02/EiAndElasticLineForRuns_TOF.pptx
+++ b/Data/sources/reduction/Mantid_nxspe_2024/cycle10_02/EiAndElasticLineForRuns_TOF.pptx
@@ -202,7 +202,7 @@
           <a:p>
             <a:fld id="{FF88B6A2-1C80-41B7-8AC5-ED65F9E890C8}" type="datetimeFigureOut">
               <a:rPr lang="en-GB" smtClean="0"/>
-              <a:t>17/09/2024</a:t>
+              <a:t>18/09/2024</a:t>
             </a:fld>
             <a:endParaRPr lang="en-GB"/>
           </a:p>
@@ -703,7 +703,7 @@
           <a:p>
             <a:fld id="{D1721A36-19D5-4488-87C2-536213FC39A1}" type="datetimeFigureOut">
               <a:rPr lang="en-GB" smtClean="0"/>
-              <a:t>17/09/2024</a:t>
+              <a:t>18/09/2024</a:t>
             </a:fld>
             <a:endParaRPr lang="en-GB"/>
           </a:p>
@@ -903,7 +903,7 @@
           <a:p>
             <a:fld id="{D1721A36-19D5-4488-87C2-536213FC39A1}" type="datetimeFigureOut">
               <a:rPr lang="en-GB" smtClean="0"/>
-              <a:t>17/09/2024</a:t>
+              <a:t>18/09/2024</a:t>
             </a:fld>
             <a:endParaRPr lang="en-GB"/>
           </a:p>
@@ -1113,7 +1113,7 @@
           <a:p>
             <a:fld id="{D1721A36-19D5-4488-87C2-536213FC39A1}" type="datetimeFigureOut">
               <a:rPr lang="en-GB" smtClean="0"/>
-              <a:t>17/09/2024</a:t>
+              <a:t>18/09/2024</a:t>
             </a:fld>
             <a:endParaRPr lang="en-GB"/>
           </a:p>
@@ -1313,7 +1313,7 @@
           <a:p>
             <a:fld id="{D1721A36-19D5-4488-87C2-536213FC39A1}" type="datetimeFigureOut">
               <a:rPr lang="en-GB" smtClean="0"/>
-              <a:t>17/09/2024</a:t>
+              <a:t>18/09/2024</a:t>
             </a:fld>
             <a:endParaRPr lang="en-GB"/>
           </a:p>
@@ -1589,7 +1589,7 @@
           <a:p>
             <a:fld id="{D1721A36-19D5-4488-87C2-536213FC39A1}" type="datetimeFigureOut">
               <a:rPr lang="en-GB" smtClean="0"/>
-              <a:t>17/09/2024</a:t>
+              <a:t>18/09/2024</a:t>
             </a:fld>
             <a:endParaRPr lang="en-GB"/>
           </a:p>
@@ -1857,7 +1857,7 @@
           <a:p>
             <a:fld id="{D1721A36-19D5-4488-87C2-536213FC39A1}" type="datetimeFigureOut">
               <a:rPr lang="en-GB" smtClean="0"/>
-              <a:t>17/09/2024</a:t>
+              <a:t>18/09/2024</a:t>
             </a:fld>
             <a:endParaRPr lang="en-GB"/>
           </a:p>
@@ -2272,7 +2272,7 @@
           <a:p>
             <a:fld id="{D1721A36-19D5-4488-87C2-536213FC39A1}" type="datetimeFigureOut">
               <a:rPr lang="en-GB" smtClean="0"/>
-              <a:t>17/09/2024</a:t>
+              <a:t>18/09/2024</a:t>
             </a:fld>
             <a:endParaRPr lang="en-GB"/>
           </a:p>
@@ -2414,7 +2414,7 @@
           <a:p>
             <a:fld id="{D1721A36-19D5-4488-87C2-536213FC39A1}" type="datetimeFigureOut">
               <a:rPr lang="en-GB" smtClean="0"/>
-              <a:t>17/09/2024</a:t>
+              <a:t>18/09/2024</a:t>
             </a:fld>
             <a:endParaRPr lang="en-GB"/>
           </a:p>
@@ -2527,7 +2527,7 @@
           <a:p>
             <a:fld id="{D1721A36-19D5-4488-87C2-536213FC39A1}" type="datetimeFigureOut">
               <a:rPr lang="en-GB" smtClean="0"/>
-              <a:t>17/09/2024</a:t>
+              <a:t>18/09/2024</a:t>
             </a:fld>
             <a:endParaRPr lang="en-GB"/>
           </a:p>
@@ -2840,7 +2840,7 @@
           <a:p>
             <a:fld id="{D1721A36-19D5-4488-87C2-536213FC39A1}" type="datetimeFigureOut">
               <a:rPr lang="en-GB" smtClean="0"/>
-              <a:t>17/09/2024</a:t>
+              <a:t>18/09/2024</a:t>
             </a:fld>
             <a:endParaRPr lang="en-GB"/>
           </a:p>
@@ -3129,7 +3129,7 @@
           <a:p>
             <a:fld id="{D1721A36-19D5-4488-87C2-536213FC39A1}" type="datetimeFigureOut">
               <a:rPr lang="en-GB" smtClean="0"/>
-              <a:t>17/09/2024</a:t>
+              <a:t>18/09/2024</a:t>
             </a:fld>
             <a:endParaRPr lang="en-GB"/>
           </a:p>
@@ -3372,7 +3372,7 @@
           <a:p>
             <a:fld id="{D1721A36-19D5-4488-87C2-536213FC39A1}" type="datetimeFigureOut">
               <a:rPr lang="en-GB" smtClean="0"/>
-              <a:t>17/09/2024</a:t>
+              <a:t>18/09/2024</a:t>
             </a:fld>
             <a:endParaRPr lang="en-GB"/>
           </a:p>
@@ -5881,6 +5881,45 @@
           </a:prstGeom>
         </p:spPr>
       </p:pic>
+      <p:sp>
+        <p:nvSpPr>
+          <p:cNvPr id="3" name="TextBox 2">
+            <a:extLst>
+              <a:ext uri="{FF2B5EF4-FFF2-40B4-BE49-F238E27FC236}">
+                <a16:creationId xmlns:a16="http://schemas.microsoft.com/office/drawing/2014/main" id="{4CE6F925-968C-20AD-2E28-E3E1433E862B}"/>
+              </a:ext>
+            </a:extLst>
+          </p:cNvPr>
+          <p:cNvSpPr txBox="1"/>
+          <p:nvPr/>
+        </p:nvSpPr>
+        <p:spPr>
+          <a:xfrm>
+            <a:off x="732569" y="6290841"/>
+            <a:ext cx="5241756" cy="369332"/>
+          </a:xfrm>
+          <a:prstGeom prst="rect">
+            <a:avLst/>
+          </a:prstGeom>
+          <a:noFill/>
+        </p:spPr>
+        <p:txBody>
+          <a:bodyPr wrap="none" rtlCol="0">
+            <a:spAutoFit/>
+          </a:bodyPr>
+          <a:lstStyle/>
+          <a:p>
+            <a:r>
+              <a:rPr lang="en-GB" dirty="0"/>
+              <a:t>Calibration is necessary – either align </a:t>
+            </a:r>
+            <a:r>
+              <a:rPr lang="en-GB"/>
+              <a:t>elastic line or </a:t>
+            </a:r>
+          </a:p>
+        </p:txBody>
+      </p:sp>
     </p:spTree>
     <p:extLst>
       <p:ext uri="{BB962C8B-B14F-4D97-AF65-F5344CB8AC3E}">
